--- a/ozone_presentation_example.pptx
+++ b/ozone_presentation_example.pptx
@@ -4,9 +4,6 @@
   <p:sldMasterIdLst>
     <p:sldMasterId id="2147483648" r:id="rId1"/>
   </p:sldMasterIdLst>
-  <p:sldIdLst>
-    <p:sldId id="256" r:id="rId2"/>
-  </p:sldIdLst>
   <p:sldSz cx="9144000" cy="6858000" type="screen4x3"/>
   <p:notesSz cx="6858000" cy="9144000"/>
   <p:defaultTextStyle>
@@ -126,6 +123,22 @@
 <file path=ppt/changesInfos/changesInfo1.xml><?xml version="1.0" encoding="utf-8"?>
 <pc:chgInfo xmlns:a="http://schemas.openxmlformats.org/drawingml/2006/main" xmlns:r="http://schemas.openxmlformats.org/officeDocument/2006/relationships" xmlns:ac="http://schemas.microsoft.com/office/drawing/2013/main/command" xmlns:pc="http://schemas.microsoft.com/office/powerpoint/2013/main/command">
   <pc:docChgLst>
+    <pc:chgData name="Sallam Saka" userId="f204d973-d51e-47d8-884c-bdcba18d93b4" providerId="ADAL" clId="{1C417FA7-036E-405F-9D8D-BFF288A98B05}"/>
+    <pc:docChg chg="delSld">
+      <pc:chgData name="Sallam Saka" userId="f204d973-d51e-47d8-884c-bdcba18d93b4" providerId="ADAL" clId="{1C417FA7-036E-405F-9D8D-BFF288A98B05}" dt="2025-07-03T15:56:24.941" v="0" actId="47"/>
+      <pc:docMkLst>
+        <pc:docMk/>
+      </pc:docMkLst>
+      <pc:sldChg chg="del">
+        <pc:chgData name="Sallam Saka" userId="f204d973-d51e-47d8-884c-bdcba18d93b4" providerId="ADAL" clId="{1C417FA7-036E-405F-9D8D-BFF288A98B05}" dt="2025-07-03T15:56:24.941" v="0" actId="47"/>
+        <pc:sldMkLst>
+          <pc:docMk/>
+          <pc:sldMk cId="0" sldId="256"/>
+        </pc:sldMkLst>
+      </pc:sldChg>
+    </pc:docChg>
+  </pc:docChgLst>
+  <pc:docChgLst>
     <pc:chgData name="Sallam Saka" userId="f204d973-d51e-47d8-884c-bdcba18d93b4" providerId="ADAL" clId="{EC8890C0-5B3F-465B-9FB6-F8C6AAA06079}"/>
     <pc:docChg chg="custSel modSld">
       <pc:chgData name="Sallam Saka" userId="f204d973-d51e-47d8-884c-bdcba18d93b4" providerId="ADAL" clId="{EC8890C0-5B3F-465B-9FB6-F8C6AAA06079}" dt="2025-06-25T15:34:32.041" v="11" actId="27636"/>
@@ -138,14 +151,6 @@
           <pc:docMk/>
           <pc:sldMk cId="0" sldId="256"/>
         </pc:sldMkLst>
-        <pc:spChg chg="mod">
-          <ac:chgData name="Sallam Saka" userId="f204d973-d51e-47d8-884c-bdcba18d93b4" providerId="ADAL" clId="{EC8890C0-5B3F-465B-9FB6-F8C6AAA06079}" dt="2025-06-25T15:34:32.041" v="11" actId="27636"/>
-          <ac:spMkLst>
-            <pc:docMk/>
-            <pc:sldMk cId="0" sldId="256"/>
-            <ac:spMk id="3" creationId="{00000000-0000-0000-0000-000000000000}"/>
-          </ac:spMkLst>
-        </pc:spChg>
       </pc:sldChg>
     </pc:docChg>
   </pc:docChgLst>
@@ -331,7 +336,7 @@
           <a:p>
             <a:fld id="{5BCAD085-E8A6-8845-BD4E-CB4CCA059FC4}" type="datetimeFigureOut">
               <a:rPr lang="en-US" smtClean="0"/>
-              <a:t>6/25/2025</a:t>
+              <a:t>7/3/2025</a:t>
             </a:fld>
             <a:endParaRPr lang="en-US"/>
           </a:p>
@@ -499,7 +504,7 @@
           <a:p>
             <a:fld id="{5BCAD085-E8A6-8845-BD4E-CB4CCA059FC4}" type="datetimeFigureOut">
               <a:rPr lang="en-US" smtClean="0"/>
-              <a:t>6/25/2025</a:t>
+              <a:t>7/3/2025</a:t>
             </a:fld>
             <a:endParaRPr lang="en-US"/>
           </a:p>
@@ -677,7 +682,7 @@
           <a:p>
             <a:fld id="{5BCAD085-E8A6-8845-BD4E-CB4CCA059FC4}" type="datetimeFigureOut">
               <a:rPr lang="en-US" smtClean="0"/>
-              <a:t>6/25/2025</a:t>
+              <a:t>7/3/2025</a:t>
             </a:fld>
             <a:endParaRPr lang="en-US"/>
           </a:p>
@@ -845,7 +850,7 @@
           <a:p>
             <a:fld id="{5BCAD085-E8A6-8845-BD4E-CB4CCA059FC4}" type="datetimeFigureOut">
               <a:rPr lang="en-US" smtClean="0"/>
-              <a:t>6/25/2025</a:t>
+              <a:t>7/3/2025</a:t>
             </a:fld>
             <a:endParaRPr lang="en-US"/>
           </a:p>
@@ -1090,7 +1095,7 @@
           <a:p>
             <a:fld id="{5BCAD085-E8A6-8845-BD4E-CB4CCA059FC4}" type="datetimeFigureOut">
               <a:rPr lang="en-US" smtClean="0"/>
-              <a:t>6/25/2025</a:t>
+              <a:t>7/3/2025</a:t>
             </a:fld>
             <a:endParaRPr lang="en-US"/>
           </a:p>
@@ -1375,7 +1380,7 @@
           <a:p>
             <a:fld id="{5BCAD085-E8A6-8845-BD4E-CB4CCA059FC4}" type="datetimeFigureOut">
               <a:rPr lang="en-US" smtClean="0"/>
-              <a:t>6/25/2025</a:t>
+              <a:t>7/3/2025</a:t>
             </a:fld>
             <a:endParaRPr lang="en-US"/>
           </a:p>
@@ -1794,7 +1799,7 @@
           <a:p>
             <a:fld id="{5BCAD085-E8A6-8845-BD4E-CB4CCA059FC4}" type="datetimeFigureOut">
               <a:rPr lang="en-US" smtClean="0"/>
-              <a:t>6/25/2025</a:t>
+              <a:t>7/3/2025</a:t>
             </a:fld>
             <a:endParaRPr lang="en-US"/>
           </a:p>
@@ -1911,7 +1916,7 @@
           <a:p>
             <a:fld id="{5BCAD085-E8A6-8845-BD4E-CB4CCA059FC4}" type="datetimeFigureOut">
               <a:rPr lang="en-US" smtClean="0"/>
-              <a:t>6/25/2025</a:t>
+              <a:t>7/3/2025</a:t>
             </a:fld>
             <a:endParaRPr lang="en-US"/>
           </a:p>
@@ -2006,7 +2011,7 @@
           <a:p>
             <a:fld id="{5BCAD085-E8A6-8845-BD4E-CB4CCA059FC4}" type="datetimeFigureOut">
               <a:rPr lang="en-US" smtClean="0"/>
-              <a:t>6/25/2025</a:t>
+              <a:t>7/3/2025</a:t>
             </a:fld>
             <a:endParaRPr lang="en-US"/>
           </a:p>
@@ -2281,7 +2286,7 @@
           <a:p>
             <a:fld id="{5BCAD085-E8A6-8845-BD4E-CB4CCA059FC4}" type="datetimeFigureOut">
               <a:rPr lang="en-US" smtClean="0"/>
-              <a:t>6/25/2025</a:t>
+              <a:t>7/3/2025</a:t>
             </a:fld>
             <a:endParaRPr lang="en-US"/>
           </a:p>
@@ -2533,7 +2538,7 @@
           <a:p>
             <a:fld id="{5BCAD085-E8A6-8845-BD4E-CB4CCA059FC4}" type="datetimeFigureOut">
               <a:rPr lang="en-US" smtClean="0"/>
-              <a:t>6/25/2025</a:t>
+              <a:t>7/3/2025</a:t>
             </a:fld>
             <a:endParaRPr lang="en-US"/>
           </a:p>
@@ -2744,7 +2749,7 @@
           <a:p>
             <a:fld id="{5BCAD085-E8A6-8845-BD4E-CB4CCA059FC4}" type="datetimeFigureOut">
               <a:rPr lang="en-US" smtClean="0"/>
-              <a:t>6/25/2025</a:t>
+              <a:t>7/3/2025</a:t>
             </a:fld>
             <a:endParaRPr lang="en-US"/>
           </a:p>
@@ -3100,138 +3105,6 @@
     </p:otherStyle>
   </p:txStyles>
 </p:sldMaster>
-</file>
-
-<file path=ppt/slides/slide1.xml><?xml version="1.0" encoding="utf-8"?>
-<p:sld xmlns:a="http://schemas.openxmlformats.org/drawingml/2006/main" xmlns:r="http://schemas.openxmlformats.org/officeDocument/2006/relationships" xmlns:p="http://schemas.openxmlformats.org/presentationml/2006/main">
-  <p:cSld>
-    <p:spTree>
-      <p:nvGrpSpPr>
-        <p:cNvPr id="1" name=""/>
-        <p:cNvGrpSpPr/>
-        <p:nvPr/>
-      </p:nvGrpSpPr>
-      <p:grpSpPr>
-        <a:xfrm>
-          <a:off x="0" y="0"/>
-          <a:ext cx="0" cy="0"/>
-          <a:chOff x="0" y="0"/>
-          <a:chExt cx="0" cy="0"/>
-        </a:xfrm>
-      </p:grpSpPr>
-      <p:sp>
-        <p:nvSpPr>
-          <p:cNvPr id="2" name="Title 1"/>
-          <p:cNvSpPr>
-            <a:spLocks noGrp="1"/>
-          </p:cNvSpPr>
-          <p:nvPr>
-            <p:ph type="title"/>
-          </p:nvPr>
-        </p:nvSpPr>
-        <p:spPr/>
-        <p:txBody>
-          <a:bodyPr/>
-          <a:lstStyle/>
-          <a:p>
-            <a:r>
-              <a:t>Seasonal Variation in Ozone Profiles</a:t>
-            </a:r>
-          </a:p>
-        </p:txBody>
-      </p:sp>
-      <p:sp>
-        <p:nvSpPr>
-          <p:cNvPr id="3" name="Content Placeholder 2"/>
-          <p:cNvSpPr>
-            <a:spLocks noGrp="1"/>
-          </p:cNvSpPr>
-          <p:nvPr>
-            <p:ph idx="1"/>
-          </p:nvPr>
-        </p:nvSpPr>
-        <p:spPr/>
-        <p:txBody>
-          <a:bodyPr>
-            <a:normAutofit lnSpcReduction="10000"/>
-          </a:bodyPr>
-          <a:lstStyle/>
-          <a:p>
-            <a:r>
-              <a:rPr dirty="0"/>
-              <a:t>- Ozone concentrations peak in the spring at high latitudes.</a:t>
-            </a:r>
-          </a:p>
-          <a:p>
-            <a:r>
-              <a:rPr dirty="0"/>
-              <a:t>- Minimum concentrations are typically observed in late summer.</a:t>
-            </a:r>
-          </a:p>
-          <a:p>
-            <a:r>
-              <a:rPr dirty="0"/>
-              <a:t>- This trend is consistent across satellite (ACE-FTS) and ground-based (PEARL FTIR) observations.</a:t>
-            </a:r>
-          </a:p>
-          <a:p>
-            <a:endParaRPr dirty="0"/>
-          </a:p>
-          <a:p>
-            <a:r>
-              <a:rPr dirty="0"/>
-              <a:t>[Insert figure showing seasonal ozone </a:t>
-            </a:r>
-            <a:r>
-              <a:rPr dirty="0" err="1"/>
-              <a:t>varere</a:t>
-            </a:r>
-            <a:r>
-              <a:rPr dirty="0"/>
-              <a:t>]</a:t>
-            </a:r>
-          </a:p>
-        </p:txBody>
-      </p:sp>
-      <p:sp>
-        <p:nvSpPr>
-          <p:cNvPr id="4" name="TextBox 3"/>
-          <p:cNvSpPr txBox="1"/>
-          <p:nvPr/>
-        </p:nvSpPr>
-        <p:spPr>
-          <a:xfrm>
-            <a:off x="457200" y="6126480"/>
-            <a:ext cx="8229600" cy="457200"/>
-          </a:xfrm>
-          <a:prstGeom prst="rect">
-            <a:avLst/>
-          </a:prstGeom>
-          <a:noFill/>
-        </p:spPr>
-        <p:txBody>
-          <a:bodyPr wrap="none">
-            <a:spAutoFit/>
-          </a:bodyPr>
-          <a:lstStyle/>
-          <a:p>
-            <a:r>
-              <a:rPr sz="1000">
-                <a:solidFill>
-                  <a:srgbClr val="646464"/>
-                </a:solidFill>
-              </a:rPr>
-              <a:t>Smith, J. A., &amp; Doe, R. L. (2021). Seasonal ozone trends observed by ACE-FTS and PEARL FTIR. *Atmospheric Environment*, 120, 45–53.</a:t>
-            </a:r>
-          </a:p>
-        </p:txBody>
-      </p:sp>
-    </p:spTree>
-  </p:cSld>
-  <p:clrMapOvr>
-    <a:masterClrMapping/>
-  </p:clrMapOvr>
-</p:sld>
 </file>
 
 <file path=ppt/theme/theme1.xml><?xml version="1.0" encoding="utf-8"?>
